--- a/神羔羊_version讚美之泉.pptx
+++ b/神羔羊_version讚美之泉.pptx
@@ -9,7 +9,7 @@
     <p:sldId id="258" r:id="rId3"/>
     <p:sldId id="259" r:id="rId4"/>
   </p:sldIdLst>
-  <p:sldSz cx="9144000" cy="6858000" type="screen4x3"/>
+  <p:sldSz cx="12192000" cy="6858000"/>
   <p:notesSz cx="6858000" cy="9144000"/>
   <p:defaultTextStyle>
     <a:defPPr>
@@ -106,6 +106,22 @@
       </a:defRPr>
     </a:lvl9pPr>
   </p:defaultTextStyle>
+  <p:extLst>
+    <p:ext uri="{EFAFB233-063F-42B5-8137-9DF3F51BA10A}">
+      <p15:sldGuideLst xmlns:p15="http://schemas.microsoft.com/office/powerpoint/2012/main">
+        <p15:guide id="1" orient="horz" pos="2160" userDrawn="1">
+          <p15:clr>
+            <a:srgbClr val="A4A3A4"/>
+          </p15:clr>
+        </p15:guide>
+        <p15:guide id="2" pos="3840" userDrawn="1">
+          <p15:clr>
+            <a:srgbClr val="A4A3A4"/>
+          </p15:clr>
+        </p15:guide>
+      </p15:sldGuideLst>
+    </p:ext>
+  </p:extLst>
 </p:presentation>
 </file>
 
@@ -138,8 +154,8 @@
         </p:nvSpPr>
         <p:spPr>
           <a:xfrm>
-            <a:off x="685800" y="2130425"/>
-            <a:ext cx="7772400" cy="1470025"/>
+            <a:off x="914400" y="2130426"/>
+            <a:ext cx="10363200" cy="1470025"/>
           </a:xfrm>
         </p:spPr>
         <p:txBody>
@@ -166,8 +182,8 @@
         </p:nvSpPr>
         <p:spPr>
           <a:xfrm>
-            <a:off x="1371600" y="3886200"/>
-            <a:ext cx="6400800" cy="1752600"/>
+            <a:off x="1828800" y="3886200"/>
+            <a:ext cx="8534400" cy="1752600"/>
           </a:xfrm>
         </p:spPr>
         <p:txBody>
@@ -290,7 +306,7 @@
           <a:p>
             <a:fld id="{5C87ADED-91BF-48A0-A01F-BBEFDDFE48FE}" type="datetimeFigureOut">
               <a:rPr lang="en-US" smtClean="0"/>
-              <a:t>6/22/2019</a:t>
+              <a:t>11/16/2019</a:t>
             </a:fld>
             <a:endParaRPr lang="en-US"/>
           </a:p>
@@ -455,7 +471,7 @@
           <a:p>
             <a:fld id="{5C87ADED-91BF-48A0-A01F-BBEFDDFE48FE}" type="datetimeFigureOut">
               <a:rPr lang="en-US" smtClean="0"/>
-              <a:t>6/22/2019</a:t>
+              <a:t>11/16/2019</a:t>
             </a:fld>
             <a:endParaRPr lang="en-US"/>
           </a:p>
@@ -540,8 +556,8 @@
         </p:nvSpPr>
         <p:spPr>
           <a:xfrm>
-            <a:off x="6629400" y="274638"/>
-            <a:ext cx="2057400" cy="5851525"/>
+            <a:off x="8839200" y="274639"/>
+            <a:ext cx="2743200" cy="5851525"/>
           </a:xfrm>
         </p:spPr>
         <p:txBody>
@@ -568,8 +584,8 @@
         </p:nvSpPr>
         <p:spPr>
           <a:xfrm>
-            <a:off x="457200" y="274638"/>
-            <a:ext cx="6019800" cy="5851525"/>
+            <a:off x="609600" y="274639"/>
+            <a:ext cx="8026400" cy="5851525"/>
           </a:xfrm>
         </p:spPr>
         <p:txBody>
@@ -630,7 +646,7 @@
           <a:p>
             <a:fld id="{5C87ADED-91BF-48A0-A01F-BBEFDDFE48FE}" type="datetimeFigureOut">
               <a:rPr lang="en-US" smtClean="0"/>
-              <a:t>6/22/2019</a:t>
+              <a:t>11/16/2019</a:t>
             </a:fld>
             <a:endParaRPr lang="en-US"/>
           </a:p>
@@ -795,7 +811,7 @@
           <a:p>
             <a:fld id="{5C87ADED-91BF-48A0-A01F-BBEFDDFE48FE}" type="datetimeFigureOut">
               <a:rPr lang="en-US" smtClean="0"/>
-              <a:t>6/22/2019</a:t>
+              <a:t>11/16/2019</a:t>
             </a:fld>
             <a:endParaRPr lang="en-US"/>
           </a:p>
@@ -880,8 +896,8 @@
         </p:nvSpPr>
         <p:spPr>
           <a:xfrm>
-            <a:off x="722313" y="4406900"/>
-            <a:ext cx="7772400" cy="1362075"/>
+            <a:off x="963084" y="4406901"/>
+            <a:ext cx="10363200" cy="1362075"/>
           </a:xfrm>
         </p:spPr>
         <p:txBody>
@@ -912,8 +928,8 @@
         </p:nvSpPr>
         <p:spPr>
           <a:xfrm>
-            <a:off x="722313" y="2906713"/>
-            <a:ext cx="7772400" cy="1500187"/>
+            <a:off x="963084" y="2906713"/>
+            <a:ext cx="10363200" cy="1500187"/>
           </a:xfrm>
         </p:spPr>
         <p:txBody>
@@ -1036,7 +1052,7 @@
           <a:p>
             <a:fld id="{5C87ADED-91BF-48A0-A01F-BBEFDDFE48FE}" type="datetimeFigureOut">
               <a:rPr lang="en-US" smtClean="0"/>
-              <a:t>6/22/2019</a:t>
+              <a:t>11/16/2019</a:t>
             </a:fld>
             <a:endParaRPr lang="en-US"/>
           </a:p>
@@ -1144,8 +1160,8 @@
         </p:nvSpPr>
         <p:spPr>
           <a:xfrm>
-            <a:off x="457200" y="1600200"/>
-            <a:ext cx="4038600" cy="4525963"/>
+            <a:off x="609600" y="1600201"/>
+            <a:ext cx="5384800" cy="4525963"/>
           </a:xfrm>
         </p:spPr>
         <p:txBody>
@@ -1229,8 +1245,8 @@
         </p:nvSpPr>
         <p:spPr>
           <a:xfrm>
-            <a:off x="4648200" y="1600200"/>
-            <a:ext cx="4038600" cy="4525963"/>
+            <a:off x="6197600" y="1600201"/>
+            <a:ext cx="5384800" cy="4525963"/>
           </a:xfrm>
         </p:spPr>
         <p:txBody>
@@ -1319,7 +1335,7 @@
           <a:p>
             <a:fld id="{5C87ADED-91BF-48A0-A01F-BBEFDDFE48FE}" type="datetimeFigureOut">
               <a:rPr lang="en-US" smtClean="0"/>
-              <a:t>6/22/2019</a:t>
+              <a:t>11/16/2019</a:t>
             </a:fld>
             <a:endParaRPr lang="en-US"/>
           </a:p>
@@ -1431,8 +1447,8 @@
         </p:nvSpPr>
         <p:spPr>
           <a:xfrm>
-            <a:off x="457200" y="1535113"/>
-            <a:ext cx="4040188" cy="639762"/>
+            <a:off x="609600" y="1535113"/>
+            <a:ext cx="5386917" cy="639762"/>
           </a:xfrm>
         </p:spPr>
         <p:txBody>
@@ -1496,8 +1512,8 @@
         </p:nvSpPr>
         <p:spPr>
           <a:xfrm>
-            <a:off x="457200" y="2174875"/>
-            <a:ext cx="4040188" cy="3951288"/>
+            <a:off x="609600" y="2174875"/>
+            <a:ext cx="5386917" cy="3951288"/>
           </a:xfrm>
         </p:spPr>
         <p:txBody>
@@ -1581,8 +1597,8 @@
         </p:nvSpPr>
         <p:spPr>
           <a:xfrm>
-            <a:off x="4645025" y="1535113"/>
-            <a:ext cx="4041775" cy="639762"/>
+            <a:off x="6193368" y="1535113"/>
+            <a:ext cx="5389033" cy="639762"/>
           </a:xfrm>
         </p:spPr>
         <p:txBody>
@@ -1646,8 +1662,8 @@
         </p:nvSpPr>
         <p:spPr>
           <a:xfrm>
-            <a:off x="4645025" y="2174875"/>
-            <a:ext cx="4041775" cy="3951288"/>
+            <a:off x="6193368" y="2174875"/>
+            <a:ext cx="5389033" cy="3951288"/>
           </a:xfrm>
         </p:spPr>
         <p:txBody>
@@ -1736,7 +1752,7 @@
           <a:p>
             <a:fld id="{5C87ADED-91BF-48A0-A01F-BBEFDDFE48FE}" type="datetimeFigureOut">
               <a:rPr lang="en-US" smtClean="0"/>
-              <a:t>6/22/2019</a:t>
+              <a:t>11/16/2019</a:t>
             </a:fld>
             <a:endParaRPr lang="en-US"/>
           </a:p>
@@ -1849,7 +1865,7 @@
           <a:p>
             <a:fld id="{5C87ADED-91BF-48A0-A01F-BBEFDDFE48FE}" type="datetimeFigureOut">
               <a:rPr lang="en-US" smtClean="0"/>
-              <a:t>6/22/2019</a:t>
+              <a:t>11/16/2019</a:t>
             </a:fld>
             <a:endParaRPr lang="en-US"/>
           </a:p>
@@ -1939,7 +1955,7 @@
           <a:p>
             <a:fld id="{5C87ADED-91BF-48A0-A01F-BBEFDDFE48FE}" type="datetimeFigureOut">
               <a:rPr lang="en-US" smtClean="0"/>
-              <a:t>6/22/2019</a:t>
+              <a:t>11/16/2019</a:t>
             </a:fld>
             <a:endParaRPr lang="en-US"/>
           </a:p>
@@ -2024,8 +2040,8 @@
         </p:nvSpPr>
         <p:spPr>
           <a:xfrm>
-            <a:off x="457200" y="273050"/>
-            <a:ext cx="3008313" cy="1162050"/>
+            <a:off x="609601" y="273050"/>
+            <a:ext cx="4011084" cy="1162050"/>
           </a:xfrm>
         </p:spPr>
         <p:txBody>
@@ -2056,8 +2072,8 @@
         </p:nvSpPr>
         <p:spPr>
           <a:xfrm>
-            <a:off x="3575050" y="273050"/>
-            <a:ext cx="5111750" cy="5853113"/>
+            <a:off x="4766733" y="273051"/>
+            <a:ext cx="6815667" cy="5853113"/>
           </a:xfrm>
         </p:spPr>
         <p:txBody>
@@ -2141,8 +2157,8 @@
         </p:nvSpPr>
         <p:spPr>
           <a:xfrm>
-            <a:off x="457200" y="1435100"/>
-            <a:ext cx="3008313" cy="4691063"/>
+            <a:off x="609601" y="1435101"/>
+            <a:ext cx="4011084" cy="4691063"/>
           </a:xfrm>
         </p:spPr>
         <p:txBody>
@@ -2211,7 +2227,7 @@
           <a:p>
             <a:fld id="{5C87ADED-91BF-48A0-A01F-BBEFDDFE48FE}" type="datetimeFigureOut">
               <a:rPr lang="en-US" smtClean="0"/>
-              <a:t>6/22/2019</a:t>
+              <a:t>11/16/2019</a:t>
             </a:fld>
             <a:endParaRPr lang="en-US"/>
           </a:p>
@@ -2296,8 +2312,8 @@
         </p:nvSpPr>
         <p:spPr>
           <a:xfrm>
-            <a:off x="1792288" y="4800600"/>
-            <a:ext cx="5486400" cy="566738"/>
+            <a:off x="2389717" y="4800600"/>
+            <a:ext cx="7315200" cy="566738"/>
           </a:xfrm>
         </p:spPr>
         <p:txBody>
@@ -2328,8 +2344,8 @@
         </p:nvSpPr>
         <p:spPr>
           <a:xfrm>
-            <a:off x="1792288" y="612775"/>
-            <a:ext cx="5486400" cy="4114800"/>
+            <a:off x="2389717" y="612775"/>
+            <a:ext cx="7315200" cy="4114800"/>
           </a:xfrm>
         </p:spPr>
         <p:txBody>
@@ -2393,8 +2409,8 @@
         </p:nvSpPr>
         <p:spPr>
           <a:xfrm>
-            <a:off x="1792288" y="5367338"/>
-            <a:ext cx="5486400" cy="804862"/>
+            <a:off x="2389717" y="5367338"/>
+            <a:ext cx="7315200" cy="804862"/>
           </a:xfrm>
         </p:spPr>
         <p:txBody>
@@ -2463,7 +2479,7 @@
           <a:p>
             <a:fld id="{5C87ADED-91BF-48A0-A01F-BBEFDDFE48FE}" type="datetimeFigureOut">
               <a:rPr lang="en-US" smtClean="0"/>
-              <a:t>6/22/2019</a:t>
+              <a:t>11/16/2019</a:t>
             </a:fld>
             <a:endParaRPr lang="en-US"/>
           </a:p>
@@ -2558,8 +2574,8 @@
         </p:nvSpPr>
         <p:spPr>
           <a:xfrm>
-            <a:off x="457200" y="274638"/>
-            <a:ext cx="8229600" cy="1143000"/>
+            <a:off x="609600" y="274638"/>
+            <a:ext cx="10972800" cy="1143000"/>
           </a:xfrm>
           <a:prstGeom prst="rect">
             <a:avLst/>
@@ -2591,8 +2607,8 @@
         </p:nvSpPr>
         <p:spPr>
           <a:xfrm>
-            <a:off x="457200" y="1600200"/>
-            <a:ext cx="8229600" cy="4525963"/>
+            <a:off x="609600" y="1600201"/>
+            <a:ext cx="10972800" cy="4525963"/>
           </a:xfrm>
           <a:prstGeom prst="rect">
             <a:avLst/>
@@ -2653,8 +2669,8 @@
         </p:nvSpPr>
         <p:spPr>
           <a:xfrm>
-            <a:off x="457200" y="6356350"/>
-            <a:ext cx="2133600" cy="365125"/>
+            <a:off x="609600" y="6356351"/>
+            <a:ext cx="2844800" cy="365125"/>
           </a:xfrm>
           <a:prstGeom prst="rect">
             <a:avLst/>
@@ -2676,7 +2692,7 @@
           <a:p>
             <a:fld id="{5C87ADED-91BF-48A0-A01F-BBEFDDFE48FE}" type="datetimeFigureOut">
               <a:rPr lang="en-US" smtClean="0"/>
-              <a:t>6/22/2019</a:t>
+              <a:t>11/16/2019</a:t>
             </a:fld>
             <a:endParaRPr lang="en-US"/>
           </a:p>
@@ -2694,8 +2710,8 @@
         </p:nvSpPr>
         <p:spPr>
           <a:xfrm>
-            <a:off x="3124200" y="6356350"/>
-            <a:ext cx="2895600" cy="365125"/>
+            <a:off x="4165600" y="6356351"/>
+            <a:ext cx="3860800" cy="365125"/>
           </a:xfrm>
           <a:prstGeom prst="rect">
             <a:avLst/>
@@ -2731,8 +2747,8 @@
         </p:nvSpPr>
         <p:spPr>
           <a:xfrm>
-            <a:off x="6553200" y="6356350"/>
-            <a:ext cx="2133600" cy="365125"/>
+            <a:off x="8737600" y="6356351"/>
+            <a:ext cx="2844800" cy="365125"/>
           </a:xfrm>
           <a:prstGeom prst="rect">
             <a:avLst/>
@@ -3111,7 +3127,7 @@
               </a:rPr>
               <a:t>主啊 我來到祢寶座前 </a:t>
             </a:r>
-            <a:endParaRPr lang="en-US" altLang="zh-TW" sz="5400" b="1" dirty="0" smtClean="0">
+            <a:endParaRPr lang="en-US" altLang="zh-TW" sz="5400" b="1" dirty="0">
               <a:latin typeface="Microsoft JhengHei" pitchFamily="34" charset="-120"/>
               <a:ea typeface="Microsoft JhengHei" pitchFamily="34" charset="-120"/>
             </a:endParaRPr>
@@ -3121,7 +3137,7 @@
               <a:buNone/>
             </a:pPr>
             <a:r>
-              <a:rPr lang="zh-TW" altLang="en-US" sz="5400" b="1" dirty="0" smtClean="0">
+              <a:rPr lang="zh-TW" altLang="en-US" sz="5400" b="1" dirty="0">
                 <a:latin typeface="Microsoft JhengHei" pitchFamily="34" charset="-120"/>
                 <a:ea typeface="Microsoft JhengHei" pitchFamily="34" charset="-120"/>
               </a:rPr>
@@ -3134,7 +3150,7 @@
               </a:rPr>
               <a:t>心向祢敬拜 </a:t>
             </a:r>
-            <a:endParaRPr lang="en-US" altLang="zh-TW" sz="5400" b="1" dirty="0" smtClean="0">
+            <a:endParaRPr lang="en-US" altLang="zh-TW" sz="5400" b="1" dirty="0">
               <a:latin typeface="Microsoft JhengHei" pitchFamily="34" charset="-120"/>
               <a:ea typeface="Microsoft JhengHei" pitchFamily="34" charset="-120"/>
             </a:endParaRPr>
@@ -3144,7 +3160,7 @@
               <a:buNone/>
             </a:pPr>
             <a:r>
-              <a:rPr lang="zh-TW" altLang="en-US" sz="5400" b="1" dirty="0" smtClean="0">
+              <a:rPr lang="zh-TW" altLang="en-US" sz="5400" b="1" dirty="0">
                 <a:latin typeface="Microsoft JhengHei" pitchFamily="34" charset="-120"/>
                 <a:ea typeface="Microsoft JhengHei" pitchFamily="34" charset="-120"/>
               </a:rPr>
@@ -3157,7 +3173,7 @@
               </a:rPr>
               <a:t>玻璃海我要敬拜 </a:t>
             </a:r>
-            <a:endParaRPr lang="en-US" altLang="zh-TW" sz="5400" b="1" dirty="0" smtClean="0">
+            <a:endParaRPr lang="en-US" altLang="zh-TW" sz="5400" b="1" dirty="0">
               <a:latin typeface="Microsoft JhengHei" pitchFamily="34" charset="-120"/>
               <a:ea typeface="Microsoft JhengHei" pitchFamily="34" charset="-120"/>
             </a:endParaRPr>
@@ -3167,7 +3183,7 @@
               <a:buNone/>
             </a:pPr>
             <a:r>
-              <a:rPr lang="zh-TW" altLang="en-US" sz="5400" b="1" dirty="0" smtClean="0">
+              <a:rPr lang="zh-TW" altLang="en-US" sz="5400" b="1" dirty="0">
                 <a:latin typeface="Microsoft JhengHei" pitchFamily="34" charset="-120"/>
                 <a:ea typeface="Microsoft JhengHei" pitchFamily="34" charset="-120"/>
               </a:rPr>
@@ -3296,14 +3312,23 @@
                 <a:latin typeface="Microsoft JhengHei" pitchFamily="34" charset="-120"/>
                 <a:ea typeface="Microsoft JhengHei" pitchFamily="34" charset="-120"/>
               </a:rPr>
-              <a:t>全</a:t>
-            </a:r>
+              <a:t>全人向祢跪拜 </a:t>
+            </a:r>
+            <a:endParaRPr lang="en-US" altLang="zh-TW" sz="5400" b="1" dirty="0">
+              <a:latin typeface="Microsoft JhengHei" pitchFamily="34" charset="-120"/>
+              <a:ea typeface="Microsoft JhengHei" pitchFamily="34" charset="-120"/>
+            </a:endParaRPr>
+          </a:p>
+          <a:p>
+            <a:pPr marL="0" indent="0" algn="ctr">
+              <a:buNone/>
+            </a:pPr>
             <a:r>
               <a:rPr lang="zh-TW" altLang="en-US" sz="5400" b="1" dirty="0">
                 <a:latin typeface="Microsoft JhengHei" pitchFamily="34" charset="-120"/>
                 <a:ea typeface="Microsoft JhengHei" pitchFamily="34" charset="-120"/>
               </a:rPr>
-              <a:t>人向祢跪拜 </a:t>
+              <a:t>願尊貴 榮耀和感謝 </a:t>
             </a:r>
             <a:endParaRPr lang="en-US" altLang="zh-TW" sz="5400" b="1" dirty="0">
               <a:latin typeface="Microsoft JhengHei" pitchFamily="34" charset="-120"/>
@@ -3319,37 +3344,7 @@
                 <a:latin typeface="Microsoft JhengHei" pitchFamily="34" charset="-120"/>
                 <a:ea typeface="Microsoft JhengHei" pitchFamily="34" charset="-120"/>
               </a:rPr>
-              <a:t>願</a:t>
-            </a:r>
-            <a:r>
-              <a:rPr lang="zh-TW" altLang="en-US" sz="5400" b="1" dirty="0">
-                <a:latin typeface="Microsoft JhengHei" pitchFamily="34" charset="-120"/>
-                <a:ea typeface="Microsoft JhengHei" pitchFamily="34" charset="-120"/>
-              </a:rPr>
-              <a:t>尊貴 榮耀和感謝 </a:t>
-            </a:r>
-            <a:endParaRPr lang="en-US" altLang="zh-TW" sz="5400" b="1" dirty="0">
-              <a:latin typeface="Microsoft JhengHei" pitchFamily="34" charset="-120"/>
-              <a:ea typeface="Microsoft JhengHei" pitchFamily="34" charset="-120"/>
-            </a:endParaRPr>
-          </a:p>
-          <a:p>
-            <a:pPr marL="0" indent="0" algn="ctr">
-              <a:buNone/>
-            </a:pPr>
-            <a:r>
-              <a:rPr lang="zh-TW" altLang="en-US" sz="5400" b="1" dirty="0">
-                <a:latin typeface="Microsoft JhengHei" pitchFamily="34" charset="-120"/>
-                <a:ea typeface="Microsoft JhengHei" pitchFamily="34" charset="-120"/>
-              </a:rPr>
-              <a:t>都</a:t>
-            </a:r>
-            <a:r>
-              <a:rPr lang="zh-TW" altLang="en-US" sz="5400" b="1" dirty="0">
-                <a:latin typeface="Microsoft JhengHei" pitchFamily="34" charset="-120"/>
-                <a:ea typeface="Microsoft JhengHei" pitchFamily="34" charset="-120"/>
-              </a:rPr>
-              <a:t>歸寶座被殺羔羊</a:t>
+              <a:t>都歸寶座被殺羔羊</a:t>
             </a:r>
             <a:endParaRPr lang="en-US" sz="5400" b="1" dirty="0">
               <a:latin typeface="Microsoft JhengHei" pitchFamily="34" charset="-120"/>
@@ -3467,14 +3462,23 @@
                 <a:latin typeface="Microsoft JhengHei" pitchFamily="34" charset="-120"/>
                 <a:ea typeface="Microsoft JhengHei" pitchFamily="34" charset="-120"/>
               </a:rPr>
-              <a:t>赦</a:t>
-            </a:r>
+              <a:t>赦我罪 賜自由 </a:t>
+            </a:r>
+            <a:endParaRPr lang="en-US" altLang="zh-TW" sz="5400" b="1" dirty="0">
+              <a:latin typeface="Microsoft JhengHei" pitchFamily="34" charset="-120"/>
+              <a:ea typeface="Microsoft JhengHei" pitchFamily="34" charset="-120"/>
+            </a:endParaRPr>
+          </a:p>
+          <a:p>
+            <a:pPr marL="0" indent="0" algn="ctr">
+              <a:buNone/>
+            </a:pPr>
             <a:r>
               <a:rPr lang="zh-TW" altLang="en-US" sz="5400" b="1" dirty="0">
                 <a:latin typeface="Microsoft JhengHei" pitchFamily="34" charset="-120"/>
                 <a:ea typeface="Microsoft JhengHei" pitchFamily="34" charset="-120"/>
               </a:rPr>
-              <a:t>我罪 賜自由 </a:t>
+              <a:t>神羔羊 醫治者 </a:t>
             </a:r>
             <a:endParaRPr lang="en-US" altLang="zh-TW" sz="5400" b="1" dirty="0">
               <a:latin typeface="Microsoft JhengHei" pitchFamily="34" charset="-120"/>
@@ -3490,37 +3494,7 @@
                 <a:latin typeface="Microsoft JhengHei" pitchFamily="34" charset="-120"/>
                 <a:ea typeface="Microsoft JhengHei" pitchFamily="34" charset="-120"/>
               </a:rPr>
-              <a:t>神</a:t>
-            </a:r>
-            <a:r>
-              <a:rPr lang="zh-TW" altLang="en-US" sz="5400" b="1" dirty="0">
-                <a:latin typeface="Microsoft JhengHei" pitchFamily="34" charset="-120"/>
-                <a:ea typeface="Microsoft JhengHei" pitchFamily="34" charset="-120"/>
-              </a:rPr>
-              <a:t>羔羊 醫治者 </a:t>
-            </a:r>
-            <a:endParaRPr lang="en-US" altLang="zh-TW" sz="5400" b="1" dirty="0">
-              <a:latin typeface="Microsoft JhengHei" pitchFamily="34" charset="-120"/>
-              <a:ea typeface="Microsoft JhengHei" pitchFamily="34" charset="-120"/>
-            </a:endParaRPr>
-          </a:p>
-          <a:p>
-            <a:pPr marL="0" indent="0" algn="ctr">
-              <a:buNone/>
-            </a:pPr>
-            <a:r>
-              <a:rPr lang="zh-TW" altLang="en-US" sz="5400" b="1" dirty="0">
-                <a:latin typeface="Microsoft JhengHei" pitchFamily="34" charset="-120"/>
-                <a:ea typeface="Microsoft JhengHei" pitchFamily="34" charset="-120"/>
-              </a:rPr>
-              <a:t>我</a:t>
-            </a:r>
-            <a:r>
-              <a:rPr lang="zh-TW" altLang="en-US" sz="5400" b="1" dirty="0">
-                <a:latin typeface="Microsoft JhengHei" pitchFamily="34" charset="-120"/>
-                <a:ea typeface="Microsoft JhengHei" pitchFamily="34" charset="-120"/>
-              </a:rPr>
-              <a:t>的心稱頌 </a:t>
+              <a:t>我的心稱頌 </a:t>
             </a:r>
             <a:endParaRPr lang="en-US" sz="5400" b="1" dirty="0">
               <a:latin typeface="Microsoft JhengHei" pitchFamily="34" charset="-120"/>
